--- a/4. Переменные/4. Переменные.pptx
+++ b/4. Переменные/4. Переменные.pptx
@@ -532,7 +532,7 @@
           <a:noFill/>
           <a:extLst>
             <a:ext uri="{909E8E84-426E-40dd-AFC4-6F175D3DCCD1}">
-              <a14:hiddenFill xmlns:a14="http://schemas.microsoft.com/office/drawing/2010/main" xmlns="">
+              <a14:hiddenFill xmlns="" xmlns:a14="http://schemas.microsoft.com/office/drawing/2010/main">
                 <a:solidFill>
                   <a:srgbClr val="FFFFFF"/>
                 </a:solidFill>
@@ -591,7 +591,7 @@
             </a:ln>
             <a:extLst>
               <a:ext uri="{91240B29-F687-4f45-9708-019B960494DF}">
-                <a14:hiddenLine xmlns:a14="http://schemas.microsoft.com/office/drawing/2010/main" xmlns="" w="9525">
+                <a14:hiddenLine xmlns="" xmlns:a14="http://schemas.microsoft.com/office/drawing/2010/main" w="9525">
                   <a:solidFill>
                     <a:srgbClr val="000000"/>
                   </a:solidFill>
@@ -681,7 +681,7 @@
             </a:ln>
             <a:extLst>
               <a:ext uri="{91240B29-F687-4f45-9708-019B960494DF}">
-                <a14:hiddenLine xmlns:a14="http://schemas.microsoft.com/office/drawing/2010/main" xmlns="" w="9525">
+                <a14:hiddenLine xmlns="" xmlns:a14="http://schemas.microsoft.com/office/drawing/2010/main" w="9525">
                   <a:solidFill>
                     <a:srgbClr val="000000"/>
                   </a:solidFill>
@@ -771,7 +771,7 @@
             </a:ln>
             <a:extLst>
               <a:ext uri="{91240B29-F687-4f45-9708-019B960494DF}">
-                <a14:hiddenLine xmlns:a14="http://schemas.microsoft.com/office/drawing/2010/main" xmlns="" w="9525">
+                <a14:hiddenLine xmlns="" xmlns:a14="http://schemas.microsoft.com/office/drawing/2010/main" w="9525">
                   <a:solidFill>
                     <a:srgbClr val="000000"/>
                   </a:solidFill>
@@ -805,7 +805,7 @@
             </a:ln>
             <a:extLst>
               <a:ext uri="{91240B29-F687-4f45-9708-019B960494DF}">
-                <a14:hiddenLine xmlns:a14="http://schemas.microsoft.com/office/drawing/2010/main" xmlns="" w="9525">
+                <a14:hiddenLine xmlns="" xmlns:a14="http://schemas.microsoft.com/office/drawing/2010/main" w="9525">
                   <a:solidFill>
                     <a:srgbClr val="000000"/>
                   </a:solidFill>
@@ -895,7 +895,7 @@
             </a:ln>
             <a:extLst>
               <a:ext uri="{91240B29-F687-4f45-9708-019B960494DF}">
-                <a14:hiddenLine xmlns:a14="http://schemas.microsoft.com/office/drawing/2010/main" xmlns="" w="9525">
+                <a14:hiddenLine xmlns="" xmlns:a14="http://schemas.microsoft.com/office/drawing/2010/main" w="9525">
                   <a:solidFill>
                     <a:srgbClr val="000000"/>
                   </a:solidFill>
@@ -957,7 +957,7 @@
             </a:ln>
             <a:extLst>
               <a:ext uri="{91240B29-F687-4f45-9708-019B960494DF}">
-                <a14:hiddenLine xmlns:a14="http://schemas.microsoft.com/office/drawing/2010/main" xmlns="" w="9525">
+                <a14:hiddenLine xmlns="" xmlns:a14="http://schemas.microsoft.com/office/drawing/2010/main" w="9525">
                   <a:solidFill>
                     <a:srgbClr val="000000"/>
                   </a:solidFill>
@@ -1019,7 +1019,7 @@
             </a:ln>
             <a:extLst>
               <a:ext uri="{91240B29-F687-4f45-9708-019B960494DF}">
-                <a14:hiddenLine xmlns:a14="http://schemas.microsoft.com/office/drawing/2010/main" xmlns="" w="9525">
+                <a14:hiddenLine xmlns="" xmlns:a14="http://schemas.microsoft.com/office/drawing/2010/main" w="9525">
                   <a:solidFill>
                     <a:srgbClr val="000000"/>
                   </a:solidFill>
@@ -1109,7 +1109,7 @@
             </a:ln>
             <a:extLst>
               <a:ext uri="{91240B29-F687-4f45-9708-019B960494DF}">
-                <a14:hiddenLine xmlns:a14="http://schemas.microsoft.com/office/drawing/2010/main" xmlns="" w="9525">
+                <a14:hiddenLine xmlns="" xmlns:a14="http://schemas.microsoft.com/office/drawing/2010/main" w="9525">
                   <a:solidFill>
                     <a:srgbClr val="000000"/>
                   </a:solidFill>
@@ -1171,7 +1171,7 @@
             </a:ln>
             <a:extLst>
               <a:ext uri="{91240B29-F687-4f45-9708-019B960494DF}">
-                <a14:hiddenLine xmlns:a14="http://schemas.microsoft.com/office/drawing/2010/main" xmlns="" w="9525">
+                <a14:hiddenLine xmlns="" xmlns:a14="http://schemas.microsoft.com/office/drawing/2010/main" w="9525">
                   <a:solidFill>
                     <a:srgbClr val="000000"/>
                   </a:solidFill>
@@ -1233,7 +1233,7 @@
             </a:ln>
             <a:extLst>
               <a:ext uri="{91240B29-F687-4f45-9708-019B960494DF}">
-                <a14:hiddenLine xmlns:a14="http://schemas.microsoft.com/office/drawing/2010/main" xmlns="" w="9525">
+                <a14:hiddenLine xmlns="" xmlns:a14="http://schemas.microsoft.com/office/drawing/2010/main" w="9525">
                   <a:solidFill>
                     <a:srgbClr val="000000"/>
                   </a:solidFill>
@@ -1323,7 +1323,7 @@
             </a:ln>
             <a:extLst>
               <a:ext uri="{91240B29-F687-4f45-9708-019B960494DF}">
-                <a14:hiddenLine xmlns:a14="http://schemas.microsoft.com/office/drawing/2010/main" xmlns="" w="9525">
+                <a14:hiddenLine xmlns="" xmlns:a14="http://schemas.microsoft.com/office/drawing/2010/main" w="9525">
                   <a:solidFill>
                     <a:srgbClr val="000000"/>
                   </a:solidFill>
@@ -1413,7 +1413,7 @@
             </a:ln>
             <a:extLst>
               <a:ext uri="{91240B29-F687-4f45-9708-019B960494DF}">
-                <a14:hiddenLine xmlns:a14="http://schemas.microsoft.com/office/drawing/2010/main" xmlns="" w="9525">
+                <a14:hiddenLine xmlns="" xmlns:a14="http://schemas.microsoft.com/office/drawing/2010/main" w="9525">
                   <a:solidFill>
                     <a:srgbClr val="000000"/>
                   </a:solidFill>
@@ -1475,7 +1475,7 @@
             </a:ln>
             <a:extLst>
               <a:ext uri="{91240B29-F687-4f45-9708-019B960494DF}">
-                <a14:hiddenLine xmlns:a14="http://schemas.microsoft.com/office/drawing/2010/main" xmlns="" w="9525">
+                <a14:hiddenLine xmlns="" xmlns:a14="http://schemas.microsoft.com/office/drawing/2010/main" w="9525">
                   <a:solidFill>
                     <a:srgbClr val="000000"/>
                   </a:solidFill>
@@ -1585,7 +1585,7 @@
             </a:ln>
             <a:extLst>
               <a:ext uri="{91240B29-F687-4f45-9708-019B960494DF}">
-                <a14:hiddenLine xmlns:a14="http://schemas.microsoft.com/office/drawing/2010/main" xmlns="" w="9525">
+                <a14:hiddenLine xmlns="" xmlns:a14="http://schemas.microsoft.com/office/drawing/2010/main" w="9525">
                   <a:solidFill>
                     <a:srgbClr val="000000"/>
                   </a:solidFill>
@@ -1647,7 +1647,7 @@
             </a:ln>
             <a:extLst>
               <a:ext uri="{91240B29-F687-4f45-9708-019B960494DF}">
-                <a14:hiddenLine xmlns:a14="http://schemas.microsoft.com/office/drawing/2010/main" xmlns="" w="9525">
+                <a14:hiddenLine xmlns="" xmlns:a14="http://schemas.microsoft.com/office/drawing/2010/main" w="9525">
                   <a:solidFill>
                     <a:srgbClr val="000000"/>
                   </a:solidFill>
@@ -1737,7 +1737,7 @@
             </a:ln>
             <a:extLst>
               <a:ext uri="{91240B29-F687-4f45-9708-019B960494DF}">
-                <a14:hiddenLine xmlns:a14="http://schemas.microsoft.com/office/drawing/2010/main" xmlns="" w="9525">
+                <a14:hiddenLine xmlns="" xmlns:a14="http://schemas.microsoft.com/office/drawing/2010/main" w="9525">
                   <a:solidFill>
                     <a:srgbClr val="000000"/>
                   </a:solidFill>
@@ -1827,7 +1827,7 @@
             </a:ln>
             <a:extLst>
               <a:ext uri="{91240B29-F687-4f45-9708-019B960494DF}">
-                <a14:hiddenLine xmlns:a14="http://schemas.microsoft.com/office/drawing/2010/main" xmlns="" w="9525">
+                <a14:hiddenLine xmlns="" xmlns:a14="http://schemas.microsoft.com/office/drawing/2010/main" w="9525">
                   <a:solidFill>
                     <a:srgbClr val="000000"/>
                   </a:solidFill>
@@ -1889,7 +1889,7 @@
             </a:ln>
             <a:extLst>
               <a:ext uri="{91240B29-F687-4f45-9708-019B960494DF}">
-                <a14:hiddenLine xmlns:a14="http://schemas.microsoft.com/office/drawing/2010/main" xmlns="" w="9525">
+                <a14:hiddenLine xmlns="" xmlns:a14="http://schemas.microsoft.com/office/drawing/2010/main" w="9525">
                   <a:solidFill>
                     <a:srgbClr val="000000"/>
                   </a:solidFill>
@@ -1979,7 +1979,7 @@
             </a:ln>
             <a:extLst>
               <a:ext uri="{91240B29-F687-4f45-9708-019B960494DF}">
-                <a14:hiddenLine xmlns:a14="http://schemas.microsoft.com/office/drawing/2010/main" xmlns="" w="9525">
+                <a14:hiddenLine xmlns="" xmlns:a14="http://schemas.microsoft.com/office/drawing/2010/main" w="9525">
                   <a:solidFill>
                     <a:srgbClr val="000000"/>
                   </a:solidFill>
@@ -2069,7 +2069,7 @@
             </a:ln>
             <a:extLst>
               <a:ext uri="{91240B29-F687-4f45-9708-019B960494DF}">
-                <a14:hiddenLine xmlns:a14="http://schemas.microsoft.com/office/drawing/2010/main" xmlns="" w="9525">
+                <a14:hiddenLine xmlns="" xmlns:a14="http://schemas.microsoft.com/office/drawing/2010/main" w="9525">
                   <a:solidFill>
                     <a:srgbClr val="000000"/>
                   </a:solidFill>
@@ -2125,7 +2125,7 @@
             </a:ln>
             <a:extLst>
               <a:ext uri="{91240B29-F687-4f45-9708-019B960494DF}">
-                <a14:hiddenLine xmlns:a14="http://schemas.microsoft.com/office/drawing/2010/main" xmlns="" w="9525">
+                <a14:hiddenLine xmlns="" xmlns:a14="http://schemas.microsoft.com/office/drawing/2010/main" w="9525">
                   <a:solidFill>
                     <a:srgbClr val="000000"/>
                   </a:solidFill>
@@ -2215,7 +2215,7 @@
             </a:ln>
             <a:extLst>
               <a:ext uri="{91240B29-F687-4f45-9708-019B960494DF}">
-                <a14:hiddenLine xmlns:a14="http://schemas.microsoft.com/office/drawing/2010/main" xmlns="" w="9525">
+                <a14:hiddenLine xmlns="" xmlns:a14="http://schemas.microsoft.com/office/drawing/2010/main" w="9525">
                   <a:solidFill>
                     <a:srgbClr val="000000"/>
                   </a:solidFill>
@@ -2271,7 +2271,7 @@
             </a:ln>
             <a:extLst>
               <a:ext uri="{91240B29-F687-4f45-9708-019B960494DF}">
-                <a14:hiddenLine xmlns:a14="http://schemas.microsoft.com/office/drawing/2010/main" xmlns="" w="9525">
+                <a14:hiddenLine xmlns="" xmlns:a14="http://schemas.microsoft.com/office/drawing/2010/main" w="9525">
                   <a:solidFill>
                     <a:srgbClr val="000000"/>
                   </a:solidFill>
@@ -2361,7 +2361,7 @@
             </a:ln>
             <a:extLst>
               <a:ext uri="{91240B29-F687-4f45-9708-019B960494DF}">
-                <a14:hiddenLine xmlns:a14="http://schemas.microsoft.com/office/drawing/2010/main" xmlns="" w="9525">
+                <a14:hiddenLine xmlns="" xmlns:a14="http://schemas.microsoft.com/office/drawing/2010/main" w="9525">
                   <a:solidFill>
                     <a:srgbClr val="000000"/>
                   </a:solidFill>
@@ -2429,7 +2429,7 @@
             </a:ln>
             <a:extLst>
               <a:ext uri="{91240B29-F687-4f45-9708-019B960494DF}">
-                <a14:hiddenLine xmlns:a14="http://schemas.microsoft.com/office/drawing/2010/main" xmlns="" w="9525">
+                <a14:hiddenLine xmlns="" xmlns:a14="http://schemas.microsoft.com/office/drawing/2010/main" w="9525">
                   <a:solidFill>
                     <a:srgbClr val="000000"/>
                   </a:solidFill>
@@ -2519,7 +2519,7 @@
             </a:ln>
             <a:extLst>
               <a:ext uri="{91240B29-F687-4f45-9708-019B960494DF}">
-                <a14:hiddenLine xmlns:a14="http://schemas.microsoft.com/office/drawing/2010/main" xmlns="" w="9525">
+                <a14:hiddenLine xmlns="" xmlns:a14="http://schemas.microsoft.com/office/drawing/2010/main" w="9525">
                   <a:solidFill>
                     <a:srgbClr val="000000"/>
                   </a:solidFill>
@@ -2587,7 +2587,7 @@
             </a:ln>
             <a:extLst>
               <a:ext uri="{91240B29-F687-4f45-9708-019B960494DF}">
-                <a14:hiddenLine xmlns:a14="http://schemas.microsoft.com/office/drawing/2010/main" xmlns="" w="9525">
+                <a14:hiddenLine xmlns="" xmlns:a14="http://schemas.microsoft.com/office/drawing/2010/main" w="9525">
                   <a:solidFill>
                     <a:srgbClr val="000000"/>
                   </a:solidFill>
@@ -2677,7 +2677,7 @@
             </a:ln>
             <a:extLst>
               <a:ext uri="{91240B29-F687-4f45-9708-019B960494DF}">
-                <a14:hiddenLine xmlns:a14="http://schemas.microsoft.com/office/drawing/2010/main" xmlns="" w="9525">
+                <a14:hiddenLine xmlns="" xmlns:a14="http://schemas.microsoft.com/office/drawing/2010/main" w="9525">
                   <a:solidFill>
                     <a:srgbClr val="000000"/>
                   </a:solidFill>
@@ -2711,7 +2711,7 @@
             </a:ln>
             <a:extLst>
               <a:ext uri="{91240B29-F687-4f45-9708-019B960494DF}">
-                <a14:hiddenLine xmlns:a14="http://schemas.microsoft.com/office/drawing/2010/main" xmlns="" w="9525">
+                <a14:hiddenLine xmlns="" xmlns:a14="http://schemas.microsoft.com/office/drawing/2010/main" w="9525">
                   <a:solidFill>
                     <a:srgbClr val="000000"/>
                   </a:solidFill>
@@ -2801,7 +2801,7 @@
             </a:ln>
             <a:extLst>
               <a:ext uri="{91240B29-F687-4f45-9708-019B960494DF}">
-                <a14:hiddenLine xmlns:a14="http://schemas.microsoft.com/office/drawing/2010/main" xmlns="" w="9525">
+                <a14:hiddenLine xmlns="" xmlns:a14="http://schemas.microsoft.com/office/drawing/2010/main" w="9525">
                   <a:solidFill>
                     <a:srgbClr val="000000"/>
                   </a:solidFill>
@@ -2863,7 +2863,7 @@
             </a:ln>
             <a:extLst>
               <a:ext uri="{91240B29-F687-4f45-9708-019B960494DF}">
-                <a14:hiddenLine xmlns:a14="http://schemas.microsoft.com/office/drawing/2010/main" xmlns="" w="9525">
+                <a14:hiddenLine xmlns="" xmlns:a14="http://schemas.microsoft.com/office/drawing/2010/main" w="9525">
                   <a:solidFill>
                     <a:srgbClr val="000000"/>
                   </a:solidFill>
@@ -2925,7 +2925,7 @@
             </a:ln>
             <a:extLst>
               <a:ext uri="{91240B29-F687-4f45-9708-019B960494DF}">
-                <a14:hiddenLine xmlns:a14="http://schemas.microsoft.com/office/drawing/2010/main" xmlns="" w="9525">
+                <a14:hiddenLine xmlns="" xmlns:a14="http://schemas.microsoft.com/office/drawing/2010/main" w="9525">
                   <a:solidFill>
                     <a:srgbClr val="000000"/>
                   </a:solidFill>
@@ -3015,7 +3015,7 @@
             </a:ln>
             <a:extLst>
               <a:ext uri="{91240B29-F687-4f45-9708-019B960494DF}">
-                <a14:hiddenLine xmlns:a14="http://schemas.microsoft.com/office/drawing/2010/main" xmlns="" w="9525">
+                <a14:hiddenLine xmlns="" xmlns:a14="http://schemas.microsoft.com/office/drawing/2010/main" w="9525">
                   <a:solidFill>
                     <a:srgbClr val="000000"/>
                   </a:solidFill>
@@ -3083,7 +3083,7 @@
             </a:ln>
             <a:extLst>
               <a:ext uri="{91240B29-F687-4f45-9708-019B960494DF}">
-                <a14:hiddenLine xmlns:a14="http://schemas.microsoft.com/office/drawing/2010/main" xmlns="" w="9525">
+                <a14:hiddenLine xmlns="" xmlns:a14="http://schemas.microsoft.com/office/drawing/2010/main" w="9525">
                   <a:solidFill>
                     <a:srgbClr val="000000"/>
                   </a:solidFill>
@@ -3145,7 +3145,7 @@
             </a:ln>
             <a:extLst>
               <a:ext uri="{91240B29-F687-4f45-9708-019B960494DF}">
-                <a14:hiddenLine xmlns:a14="http://schemas.microsoft.com/office/drawing/2010/main" xmlns="" w="9525">
+                <a14:hiddenLine xmlns="" xmlns:a14="http://schemas.microsoft.com/office/drawing/2010/main" w="9525">
                   <a:solidFill>
                     <a:srgbClr val="000000"/>
                   </a:solidFill>
@@ -3235,7 +3235,7 @@
             </a:ln>
             <a:extLst>
               <a:ext uri="{91240B29-F687-4f45-9708-019B960494DF}">
-                <a14:hiddenLine xmlns:a14="http://schemas.microsoft.com/office/drawing/2010/main" xmlns="" w="9525">
+                <a14:hiddenLine xmlns="" xmlns:a14="http://schemas.microsoft.com/office/drawing/2010/main" w="9525">
                   <a:solidFill>
                     <a:srgbClr val="000000"/>
                   </a:solidFill>
@@ -3297,7 +3297,7 @@
             </a:ln>
             <a:extLst>
               <a:ext uri="{91240B29-F687-4f45-9708-019B960494DF}">
-                <a14:hiddenLine xmlns:a14="http://schemas.microsoft.com/office/drawing/2010/main" xmlns="" w="9525">
+                <a14:hiddenLine xmlns="" xmlns:a14="http://schemas.microsoft.com/office/drawing/2010/main" w="9525">
                   <a:solidFill>
                     <a:srgbClr val="000000"/>
                   </a:solidFill>
@@ -3387,7 +3387,7 @@
             </a:ln>
             <a:extLst>
               <a:ext uri="{91240B29-F687-4f45-9708-019B960494DF}">
-                <a14:hiddenLine xmlns:a14="http://schemas.microsoft.com/office/drawing/2010/main" xmlns="" w="9525">
+                <a14:hiddenLine xmlns="" xmlns:a14="http://schemas.microsoft.com/office/drawing/2010/main" w="9525">
                   <a:solidFill>
                     <a:srgbClr val="000000"/>
                   </a:solidFill>
@@ -3449,7 +3449,7 @@
             </a:ln>
             <a:extLst>
               <a:ext uri="{91240B29-F687-4f45-9708-019B960494DF}">
-                <a14:hiddenLine xmlns:a14="http://schemas.microsoft.com/office/drawing/2010/main" xmlns="" w="9525">
+                <a14:hiddenLine xmlns="" xmlns:a14="http://schemas.microsoft.com/office/drawing/2010/main" w="9525">
                   <a:solidFill>
                     <a:srgbClr val="000000"/>
                   </a:solidFill>
@@ -3539,7 +3539,7 @@
             </a:ln>
             <a:extLst>
               <a:ext uri="{91240B29-F687-4f45-9708-019B960494DF}">
-                <a14:hiddenLine xmlns:a14="http://schemas.microsoft.com/office/drawing/2010/main" xmlns="" w="9525">
+                <a14:hiddenLine xmlns="" xmlns:a14="http://schemas.microsoft.com/office/drawing/2010/main" w="9525">
                   <a:solidFill>
                     <a:srgbClr val="000000"/>
                   </a:solidFill>
@@ -3573,7 +3573,7 @@
             </a:ln>
             <a:extLst>
               <a:ext uri="{91240B29-F687-4f45-9708-019B960494DF}">
-                <a14:hiddenLine xmlns:a14="http://schemas.microsoft.com/office/drawing/2010/main" xmlns="" w="9525">
+                <a14:hiddenLine xmlns="" xmlns:a14="http://schemas.microsoft.com/office/drawing/2010/main" w="9525">
                   <a:solidFill>
                     <a:srgbClr val="000000"/>
                   </a:solidFill>
@@ -3638,7 +3638,7 @@
             </a:ln>
             <a:extLst>
               <a:ext uri="{91240B29-F687-4f45-9708-019B960494DF}">
-                <a14:hiddenLine xmlns:a14="http://schemas.microsoft.com/office/drawing/2010/main" xmlns="" w="9525">
+                <a14:hiddenLine xmlns="" xmlns:a14="http://schemas.microsoft.com/office/drawing/2010/main" w="9525">
                   <a:solidFill>
                     <a:srgbClr val="000000"/>
                   </a:solidFill>
@@ -3728,7 +3728,7 @@
             </a:ln>
             <a:extLst>
               <a:ext uri="{91240B29-F687-4f45-9708-019B960494DF}">
-                <a14:hiddenLine xmlns:a14="http://schemas.microsoft.com/office/drawing/2010/main" xmlns="" w="9525">
+                <a14:hiddenLine xmlns="" xmlns:a14="http://schemas.microsoft.com/office/drawing/2010/main" w="9525">
                   <a:solidFill>
                     <a:srgbClr val="000000"/>
                   </a:solidFill>
@@ -3790,7 +3790,7 @@
             </a:ln>
             <a:extLst>
               <a:ext uri="{91240B29-F687-4f45-9708-019B960494DF}">
-                <a14:hiddenLine xmlns:a14="http://schemas.microsoft.com/office/drawing/2010/main" xmlns="" w="9525">
+                <a14:hiddenLine xmlns="" xmlns:a14="http://schemas.microsoft.com/office/drawing/2010/main" w="9525">
                   <a:solidFill>
                     <a:srgbClr val="000000"/>
                   </a:solidFill>
@@ -3880,7 +3880,7 @@
             </a:ln>
             <a:extLst>
               <a:ext uri="{91240B29-F687-4f45-9708-019B960494DF}">
-                <a14:hiddenLine xmlns:a14="http://schemas.microsoft.com/office/drawing/2010/main" xmlns="" w="9525">
+                <a14:hiddenLine xmlns="" xmlns:a14="http://schemas.microsoft.com/office/drawing/2010/main" w="9525">
                   <a:solidFill>
                     <a:srgbClr val="000000"/>
                   </a:solidFill>
@@ -3970,7 +3970,7 @@
             </a:ln>
             <a:extLst>
               <a:ext uri="{91240B29-F687-4f45-9708-019B960494DF}">
-                <a14:hiddenLine xmlns:a14="http://schemas.microsoft.com/office/drawing/2010/main" xmlns="" w="9525">
+                <a14:hiddenLine xmlns="" xmlns:a14="http://schemas.microsoft.com/office/drawing/2010/main" w="9525">
                   <a:solidFill>
                     <a:srgbClr val="000000"/>
                   </a:solidFill>
@@ -4035,7 +4035,7 @@
             </a:ln>
             <a:extLst>
               <a:ext uri="{91240B29-F687-4f45-9708-019B960494DF}">
-                <a14:hiddenLine xmlns:a14="http://schemas.microsoft.com/office/drawing/2010/main" xmlns="" w="9525">
+                <a14:hiddenLine xmlns="" xmlns:a14="http://schemas.microsoft.com/office/drawing/2010/main" w="9525">
                   <a:solidFill>
                     <a:srgbClr val="000000"/>
                   </a:solidFill>
@@ -4097,7 +4097,7 @@
             </a:ln>
             <a:extLst>
               <a:ext uri="{91240B29-F687-4f45-9708-019B960494DF}">
-                <a14:hiddenLine xmlns:a14="http://schemas.microsoft.com/office/drawing/2010/main" xmlns="" w="9525">
+                <a14:hiddenLine xmlns="" xmlns:a14="http://schemas.microsoft.com/office/drawing/2010/main" w="9525">
                   <a:solidFill>
                     <a:srgbClr val="000000"/>
                   </a:solidFill>
@@ -4187,7 +4187,7 @@
             </a:ln>
             <a:extLst>
               <a:ext uri="{91240B29-F687-4f45-9708-019B960494DF}">
-                <a14:hiddenLine xmlns:a14="http://schemas.microsoft.com/office/drawing/2010/main" xmlns="" w="9525">
+                <a14:hiddenLine xmlns="" xmlns:a14="http://schemas.microsoft.com/office/drawing/2010/main" w="9525">
                   <a:solidFill>
                     <a:srgbClr val="000000"/>
                   </a:solidFill>
@@ -4277,7 +4277,7 @@
             </a:ln>
             <a:extLst>
               <a:ext uri="{91240B29-F687-4f45-9708-019B960494DF}">
-                <a14:hiddenLine xmlns:a14="http://schemas.microsoft.com/office/drawing/2010/main" xmlns="" w="9525">
+                <a14:hiddenLine xmlns="" xmlns:a14="http://schemas.microsoft.com/office/drawing/2010/main" w="9525">
                   <a:solidFill>
                     <a:srgbClr val="000000"/>
                   </a:solidFill>
@@ -4339,7 +4339,7 @@
             </a:ln>
             <a:extLst>
               <a:ext uri="{91240B29-F687-4f45-9708-019B960494DF}">
-                <a14:hiddenLine xmlns:a14="http://schemas.microsoft.com/office/drawing/2010/main" xmlns="" w="9525">
+                <a14:hiddenLine xmlns="" xmlns:a14="http://schemas.microsoft.com/office/drawing/2010/main" w="9525">
                   <a:solidFill>
                     <a:srgbClr val="000000"/>
                   </a:solidFill>
@@ -4459,7 +4459,7 @@
             </a:ln>
             <a:extLst>
               <a:ext uri="{91240B29-F687-4f45-9708-019B960494DF}">
-                <a14:hiddenLine xmlns:a14="http://schemas.microsoft.com/office/drawing/2010/main" xmlns="" w="9525">
+                <a14:hiddenLine xmlns="" xmlns:a14="http://schemas.microsoft.com/office/drawing/2010/main" w="9525">
                   <a:solidFill>
                     <a:srgbClr val="000000"/>
                   </a:solidFill>
@@ -4527,7 +4527,7 @@
             </a:ln>
             <a:extLst>
               <a:ext uri="{91240B29-F687-4f45-9708-019B960494DF}">
-                <a14:hiddenLine xmlns:a14="http://schemas.microsoft.com/office/drawing/2010/main" xmlns="" w="9525">
+                <a14:hiddenLine xmlns="" xmlns:a14="http://schemas.microsoft.com/office/drawing/2010/main" w="9525">
                   <a:solidFill>
                     <a:srgbClr val="000000"/>
                   </a:solidFill>
@@ -4617,7 +4617,7 @@
             </a:ln>
             <a:extLst>
               <a:ext uri="{91240B29-F687-4f45-9708-019B960494DF}">
-                <a14:hiddenLine xmlns:a14="http://schemas.microsoft.com/office/drawing/2010/main" xmlns="" w="9525">
+                <a14:hiddenLine xmlns="" xmlns:a14="http://schemas.microsoft.com/office/drawing/2010/main" w="9525">
                   <a:solidFill>
                     <a:srgbClr val="000000"/>
                   </a:solidFill>
@@ -9431,7 +9431,7 @@
           <a:noFill/>
           <a:extLst>
             <a:ext uri="{909E8E84-426E-40dd-AFC4-6F175D3DCCD1}">
-              <a14:hiddenFill xmlns:a14="http://schemas.microsoft.com/office/drawing/2010/main" xmlns="">
+              <a14:hiddenFill xmlns="" xmlns:a14="http://schemas.microsoft.com/office/drawing/2010/main">
                 <a:solidFill>
                   <a:srgbClr val="FFFFFF"/>
                 </a:solidFill>
@@ -9505,7 +9505,7 @@
               </a:ln>
               <a:extLst>
                 <a:ext uri="{91240B29-F687-4f45-9708-019B960494DF}">
-                  <a14:hiddenLine xmlns:a14="http://schemas.microsoft.com/office/drawing/2010/main" xmlns="" w="9525">
+                  <a14:hiddenLine xmlns="" xmlns:a14="http://schemas.microsoft.com/office/drawing/2010/main" w="9525">
                     <a:solidFill>
                       <a:srgbClr val="000000"/>
                     </a:solidFill>
@@ -9595,7 +9595,7 @@
               </a:ln>
               <a:extLst>
                 <a:ext uri="{91240B29-F687-4f45-9708-019B960494DF}">
-                  <a14:hiddenLine xmlns:a14="http://schemas.microsoft.com/office/drawing/2010/main" xmlns="" w="9525">
+                  <a14:hiddenLine xmlns="" xmlns:a14="http://schemas.microsoft.com/office/drawing/2010/main" w="9525">
                     <a:solidFill>
                       <a:srgbClr val="000000"/>
                     </a:solidFill>
@@ -9685,7 +9685,7 @@
               </a:ln>
               <a:extLst>
                 <a:ext uri="{91240B29-F687-4f45-9708-019B960494DF}">
-                  <a14:hiddenLine xmlns:a14="http://schemas.microsoft.com/office/drawing/2010/main" xmlns="" w="9525">
+                  <a14:hiddenLine xmlns="" xmlns:a14="http://schemas.microsoft.com/office/drawing/2010/main" w="9525">
                     <a:solidFill>
                       <a:srgbClr val="000000"/>
                     </a:solidFill>
@@ -9747,7 +9747,7 @@
               </a:ln>
               <a:extLst>
                 <a:ext uri="{91240B29-F687-4f45-9708-019B960494DF}">
-                  <a14:hiddenLine xmlns:a14="http://schemas.microsoft.com/office/drawing/2010/main" xmlns="" w="9525">
+                  <a14:hiddenLine xmlns="" xmlns:a14="http://schemas.microsoft.com/office/drawing/2010/main" w="9525">
                     <a:solidFill>
                       <a:srgbClr val="000000"/>
                     </a:solidFill>
@@ -9837,7 +9837,7 @@
               </a:ln>
               <a:extLst>
                 <a:ext uri="{91240B29-F687-4f45-9708-019B960494DF}">
-                  <a14:hiddenLine xmlns:a14="http://schemas.microsoft.com/office/drawing/2010/main" xmlns="" w="9525">
+                  <a14:hiddenLine xmlns="" xmlns:a14="http://schemas.microsoft.com/office/drawing/2010/main" w="9525">
                     <a:solidFill>
                       <a:srgbClr val="000000"/>
                     </a:solidFill>
@@ -9899,7 +9899,7 @@
               </a:ln>
               <a:extLst>
                 <a:ext uri="{91240B29-F687-4f45-9708-019B960494DF}">
-                  <a14:hiddenLine xmlns:a14="http://schemas.microsoft.com/office/drawing/2010/main" xmlns="" w="9525">
+                  <a14:hiddenLine xmlns="" xmlns:a14="http://schemas.microsoft.com/office/drawing/2010/main" w="9525">
                     <a:solidFill>
                       <a:srgbClr val="000000"/>
                     </a:solidFill>
@@ -9961,7 +9961,7 @@
               </a:ln>
               <a:extLst>
                 <a:ext uri="{91240B29-F687-4f45-9708-019B960494DF}">
-                  <a14:hiddenLine xmlns:a14="http://schemas.microsoft.com/office/drawing/2010/main" xmlns="" w="9525">
+                  <a14:hiddenLine xmlns="" xmlns:a14="http://schemas.microsoft.com/office/drawing/2010/main" w="9525">
                     <a:solidFill>
                       <a:srgbClr val="000000"/>
                     </a:solidFill>
@@ -10051,7 +10051,7 @@
               </a:ln>
               <a:extLst>
                 <a:ext uri="{91240B29-F687-4f45-9708-019B960494DF}">
-                  <a14:hiddenLine xmlns:a14="http://schemas.microsoft.com/office/drawing/2010/main" xmlns="" w="9525">
+                  <a14:hiddenLine xmlns="" xmlns:a14="http://schemas.microsoft.com/office/drawing/2010/main" w="9525">
                     <a:solidFill>
                       <a:srgbClr val="000000"/>
                     </a:solidFill>
@@ -10141,7 +10141,7 @@
               </a:ln>
               <a:extLst>
                 <a:ext uri="{91240B29-F687-4f45-9708-019B960494DF}">
-                  <a14:hiddenLine xmlns:a14="http://schemas.microsoft.com/office/drawing/2010/main" xmlns="" w="9525">
+                  <a14:hiddenLine xmlns="" xmlns:a14="http://schemas.microsoft.com/office/drawing/2010/main" w="9525">
                     <a:solidFill>
                       <a:srgbClr val="000000"/>
                     </a:solidFill>
@@ -10203,7 +10203,7 @@
               </a:ln>
               <a:extLst>
                 <a:ext uri="{91240B29-F687-4f45-9708-019B960494DF}">
-                  <a14:hiddenLine xmlns:a14="http://schemas.microsoft.com/office/drawing/2010/main" xmlns="" w="9525">
+                  <a14:hiddenLine xmlns="" xmlns:a14="http://schemas.microsoft.com/office/drawing/2010/main" w="9525">
                     <a:solidFill>
                       <a:srgbClr val="000000"/>
                     </a:solidFill>
@@ -10313,7 +10313,7 @@
               </a:ln>
               <a:extLst>
                 <a:ext uri="{91240B29-F687-4f45-9708-019B960494DF}">
-                  <a14:hiddenLine xmlns:a14="http://schemas.microsoft.com/office/drawing/2010/main" xmlns="" w="9525">
+                  <a14:hiddenLine xmlns="" xmlns:a14="http://schemas.microsoft.com/office/drawing/2010/main" w="9525">
                     <a:solidFill>
                       <a:srgbClr val="000000"/>
                     </a:solidFill>
@@ -10397,7 +10397,7 @@
               </a:ln>
               <a:extLst>
                 <a:ext uri="{91240B29-F687-4f45-9708-019B960494DF}">
-                  <a14:hiddenLine xmlns:a14="http://schemas.microsoft.com/office/drawing/2010/main" xmlns="" w="9525">
+                  <a14:hiddenLine xmlns="" xmlns:a14="http://schemas.microsoft.com/office/drawing/2010/main" w="9525">
                     <a:solidFill>
                       <a:srgbClr val="000000"/>
                     </a:solidFill>
@@ -10459,7 +10459,7 @@
               </a:ln>
               <a:extLst>
                 <a:ext uri="{91240B29-F687-4f45-9708-019B960494DF}">
-                  <a14:hiddenLine xmlns:a14="http://schemas.microsoft.com/office/drawing/2010/main" xmlns="" w="9525">
+                  <a14:hiddenLine xmlns="" xmlns:a14="http://schemas.microsoft.com/office/drawing/2010/main" w="9525">
                     <a:solidFill>
                       <a:srgbClr val="000000"/>
                     </a:solidFill>
@@ -10521,7 +10521,7 @@
               </a:ln>
               <a:extLst>
                 <a:ext uri="{91240B29-F687-4f45-9708-019B960494DF}">
-                  <a14:hiddenLine xmlns:a14="http://schemas.microsoft.com/office/drawing/2010/main" xmlns="" w="9525">
+                  <a14:hiddenLine xmlns="" xmlns:a14="http://schemas.microsoft.com/office/drawing/2010/main" w="9525">
                     <a:solidFill>
                       <a:srgbClr val="000000"/>
                     </a:solidFill>
@@ -10611,7 +10611,7 @@
               </a:ln>
               <a:extLst>
                 <a:ext uri="{91240B29-F687-4f45-9708-019B960494DF}">
-                  <a14:hiddenLine xmlns:a14="http://schemas.microsoft.com/office/drawing/2010/main" xmlns="" w="9525">
+                  <a14:hiddenLine xmlns="" xmlns:a14="http://schemas.microsoft.com/office/drawing/2010/main" w="9525">
                     <a:solidFill>
                       <a:srgbClr val="000000"/>
                     </a:solidFill>
@@ -10645,7 +10645,7 @@
               </a:ln>
               <a:extLst>
                 <a:ext uri="{91240B29-F687-4f45-9708-019B960494DF}">
-                  <a14:hiddenLine xmlns:a14="http://schemas.microsoft.com/office/drawing/2010/main" xmlns="" w="9525">
+                  <a14:hiddenLine xmlns="" xmlns:a14="http://schemas.microsoft.com/office/drawing/2010/main" w="9525">
                     <a:solidFill>
                       <a:srgbClr val="000000"/>
                     </a:solidFill>
@@ -10710,7 +10710,7 @@
               </a:ln>
               <a:extLst>
                 <a:ext uri="{91240B29-F687-4f45-9708-019B960494DF}">
-                  <a14:hiddenLine xmlns:a14="http://schemas.microsoft.com/office/drawing/2010/main" xmlns="" w="9525">
+                  <a14:hiddenLine xmlns="" xmlns:a14="http://schemas.microsoft.com/office/drawing/2010/main" w="9525">
                     <a:solidFill>
                       <a:srgbClr val="000000"/>
                     </a:solidFill>
@@ -10800,7 +10800,7 @@
               </a:ln>
               <a:extLst>
                 <a:ext uri="{91240B29-F687-4f45-9708-019B960494DF}">
-                  <a14:hiddenLine xmlns:a14="http://schemas.microsoft.com/office/drawing/2010/main" xmlns="" w="9525">
+                  <a14:hiddenLine xmlns="" xmlns:a14="http://schemas.microsoft.com/office/drawing/2010/main" w="9525">
                     <a:solidFill>
                       <a:srgbClr val="000000"/>
                     </a:solidFill>
@@ -10862,7 +10862,7 @@
               </a:ln>
               <a:extLst>
                 <a:ext uri="{91240B29-F687-4f45-9708-019B960494DF}">
-                  <a14:hiddenLine xmlns:a14="http://schemas.microsoft.com/office/drawing/2010/main" xmlns="" w="9525">
+                  <a14:hiddenLine xmlns="" xmlns:a14="http://schemas.microsoft.com/office/drawing/2010/main" w="9525">
                     <a:solidFill>
                       <a:srgbClr val="000000"/>
                     </a:solidFill>
@@ -10952,7 +10952,7 @@
               </a:ln>
               <a:extLst>
                 <a:ext uri="{91240B29-F687-4f45-9708-019B960494DF}">
-                  <a14:hiddenLine xmlns:a14="http://schemas.microsoft.com/office/drawing/2010/main" xmlns="" w="9525">
+                  <a14:hiddenLine xmlns="" xmlns:a14="http://schemas.microsoft.com/office/drawing/2010/main" w="9525">
                     <a:solidFill>
                       <a:srgbClr val="000000"/>
                     </a:solidFill>
@@ -11017,7 +11017,7 @@
               </a:ln>
               <a:extLst>
                 <a:ext uri="{91240B29-F687-4f45-9708-019B960494DF}">
-                  <a14:hiddenLine xmlns:a14="http://schemas.microsoft.com/office/drawing/2010/main" xmlns="" w="9525">
+                  <a14:hiddenLine xmlns="" xmlns:a14="http://schemas.microsoft.com/office/drawing/2010/main" w="9525">
                     <a:solidFill>
                       <a:srgbClr val="000000"/>
                     </a:solidFill>
@@ -11079,7 +11079,7 @@
               </a:ln>
               <a:extLst>
                 <a:ext uri="{91240B29-F687-4f45-9708-019B960494DF}">
-                  <a14:hiddenLine xmlns:a14="http://schemas.microsoft.com/office/drawing/2010/main" xmlns="" w="9525">
+                  <a14:hiddenLine xmlns="" xmlns:a14="http://schemas.microsoft.com/office/drawing/2010/main" w="9525">
                     <a:solidFill>
                       <a:srgbClr val="000000"/>
                     </a:solidFill>
@@ -11169,7 +11169,7 @@
               </a:ln>
               <a:extLst>
                 <a:ext uri="{91240B29-F687-4f45-9708-019B960494DF}">
-                  <a14:hiddenLine xmlns:a14="http://schemas.microsoft.com/office/drawing/2010/main" xmlns="" w="9525">
+                  <a14:hiddenLine xmlns="" xmlns:a14="http://schemas.microsoft.com/office/drawing/2010/main" w="9525">
                     <a:solidFill>
                       <a:srgbClr val="000000"/>
                     </a:solidFill>
@@ -11259,7 +11259,7 @@
               </a:ln>
               <a:extLst>
                 <a:ext uri="{91240B29-F687-4f45-9708-019B960494DF}">
-                  <a14:hiddenLine xmlns:a14="http://schemas.microsoft.com/office/drawing/2010/main" xmlns="" w="9525">
+                  <a14:hiddenLine xmlns="" xmlns:a14="http://schemas.microsoft.com/office/drawing/2010/main" w="9525">
                     <a:solidFill>
                       <a:srgbClr val="000000"/>
                     </a:solidFill>
@@ -11324,7 +11324,7 @@
               </a:ln>
               <a:extLst>
                 <a:ext uri="{91240B29-F687-4f45-9708-019B960494DF}">
-                  <a14:hiddenLine xmlns:a14="http://schemas.microsoft.com/office/drawing/2010/main" xmlns="" w="9525">
+                  <a14:hiddenLine xmlns="" xmlns:a14="http://schemas.microsoft.com/office/drawing/2010/main" w="9525">
                     <a:solidFill>
                       <a:srgbClr val="000000"/>
                     </a:solidFill>
@@ -11444,7 +11444,7 @@
               </a:ln>
               <a:extLst>
                 <a:ext uri="{91240B29-F687-4f45-9708-019B960494DF}">
-                  <a14:hiddenLine xmlns:a14="http://schemas.microsoft.com/office/drawing/2010/main" xmlns="" w="9525">
+                  <a14:hiddenLine xmlns="" xmlns:a14="http://schemas.microsoft.com/office/drawing/2010/main" w="9525">
                     <a:solidFill>
                       <a:srgbClr val="000000"/>
                     </a:solidFill>
@@ -11525,7 +11525,7 @@
               </a:ln>
               <a:extLst>
                 <a:ext uri="{91240B29-F687-4f45-9708-019B960494DF}">
-                  <a14:hiddenLine xmlns:a14="http://schemas.microsoft.com/office/drawing/2010/main" xmlns="" w="9525">
+                  <a14:hiddenLine xmlns="" xmlns:a14="http://schemas.microsoft.com/office/drawing/2010/main" w="9525">
                     <a:solidFill>
                       <a:srgbClr val="000000"/>
                     </a:solidFill>
@@ -11640,7 +11640,7 @@
               </a:ln>
               <a:extLst>
                 <a:ext uri="{91240B29-F687-4f45-9708-019B960494DF}">
-                  <a14:hiddenLine xmlns:a14="http://schemas.microsoft.com/office/drawing/2010/main" xmlns="" w="9525">
+                  <a14:hiddenLine xmlns="" xmlns:a14="http://schemas.microsoft.com/office/drawing/2010/main" w="9525">
                     <a:solidFill>
                       <a:srgbClr val="000000"/>
                     </a:solidFill>
@@ -11730,7 +11730,7 @@
               </a:ln>
               <a:extLst>
                 <a:ext uri="{91240B29-F687-4f45-9708-019B960494DF}">
-                  <a14:hiddenLine xmlns:a14="http://schemas.microsoft.com/office/drawing/2010/main" xmlns="" w="9525">
+                  <a14:hiddenLine xmlns="" xmlns:a14="http://schemas.microsoft.com/office/drawing/2010/main" w="9525">
                     <a:solidFill>
                       <a:srgbClr val="000000"/>
                     </a:solidFill>
@@ -11795,7 +11795,7 @@
               </a:ln>
               <a:extLst>
                 <a:ext uri="{91240B29-F687-4f45-9708-019B960494DF}">
-                  <a14:hiddenLine xmlns:a14="http://schemas.microsoft.com/office/drawing/2010/main" xmlns="" w="9525">
+                  <a14:hiddenLine xmlns="" xmlns:a14="http://schemas.microsoft.com/office/drawing/2010/main" w="9525">
                     <a:solidFill>
                       <a:srgbClr val="000000"/>
                     </a:solidFill>
@@ -11885,7 +11885,7 @@
               </a:ln>
               <a:extLst>
                 <a:ext uri="{91240B29-F687-4f45-9708-019B960494DF}">
-                  <a14:hiddenLine xmlns:a14="http://schemas.microsoft.com/office/drawing/2010/main" xmlns="" w="9525">
+                  <a14:hiddenLine xmlns="" xmlns:a14="http://schemas.microsoft.com/office/drawing/2010/main" w="9525">
                     <a:solidFill>
                       <a:srgbClr val="000000"/>
                     </a:solidFill>
@@ -11953,7 +11953,7 @@
               </a:ln>
               <a:extLst>
                 <a:ext uri="{91240B29-F687-4f45-9708-019B960494DF}">
-                  <a14:hiddenLine xmlns:a14="http://schemas.microsoft.com/office/drawing/2010/main" xmlns="" w="9525">
+                  <a14:hiddenLine xmlns="" xmlns:a14="http://schemas.microsoft.com/office/drawing/2010/main" w="9525">
                     <a:solidFill>
                       <a:srgbClr val="000000"/>
                     </a:solidFill>
@@ -12043,7 +12043,7 @@
               </a:ln>
               <a:extLst>
                 <a:ext uri="{91240B29-F687-4f45-9708-019B960494DF}">
-                  <a14:hiddenLine xmlns:a14="http://schemas.microsoft.com/office/drawing/2010/main" xmlns="" w="9525">
+                  <a14:hiddenLine xmlns="" xmlns:a14="http://schemas.microsoft.com/office/drawing/2010/main" w="9525">
                     <a:solidFill>
                       <a:srgbClr val="000000"/>
                     </a:solidFill>
@@ -12111,7 +12111,7 @@
               </a:ln>
               <a:extLst>
                 <a:ext uri="{91240B29-F687-4f45-9708-019B960494DF}">
-                  <a14:hiddenLine xmlns:a14="http://schemas.microsoft.com/office/drawing/2010/main" xmlns="" w="9525">
+                  <a14:hiddenLine xmlns="" xmlns:a14="http://schemas.microsoft.com/office/drawing/2010/main" w="9525">
                     <a:solidFill>
                       <a:srgbClr val="000000"/>
                     </a:solidFill>
@@ -12201,7 +12201,7 @@
               </a:ln>
               <a:extLst>
                 <a:ext uri="{91240B29-F687-4f45-9708-019B960494DF}">
-                  <a14:hiddenLine xmlns:a14="http://schemas.microsoft.com/office/drawing/2010/main" xmlns="" w="9525">
+                  <a14:hiddenLine xmlns="" xmlns:a14="http://schemas.microsoft.com/office/drawing/2010/main" w="9525">
                     <a:solidFill>
                       <a:srgbClr val="000000"/>
                     </a:solidFill>
@@ -12235,7 +12235,7 @@
               </a:ln>
               <a:extLst>
                 <a:ext uri="{91240B29-F687-4f45-9708-019B960494DF}">
-                  <a14:hiddenLine xmlns:a14="http://schemas.microsoft.com/office/drawing/2010/main" xmlns="" w="9525">
+                  <a14:hiddenLine xmlns="" xmlns:a14="http://schemas.microsoft.com/office/drawing/2010/main" w="9525">
                     <a:solidFill>
                       <a:srgbClr val="000000"/>
                     </a:solidFill>
@@ -14796,28 +14796,32 @@
                 <a:effectLst/>
                 <a:latin typeface="Consolas" panose="020B0609020204030204" pitchFamily="49" charset="0"/>
               </a:rPr>
-              <a:t> status = </a:t>
-            </a:r>
-            <a:r>
-              <a:rPr lang="en-US" sz="1800" b="0" dirty="0">
-                <a:solidFill>
-                  <a:srgbClr val="569CD6"/>
-                </a:solidFill>
-                <a:effectLst/>
+              <a:t> status;</a:t>
+            </a:r>
+          </a:p>
+          <a:p>
+            <a:pPr marL="0" indent="0">
+              <a:spcBef>
+                <a:spcPts val="0"/>
+              </a:spcBef>
+              <a:buNone/>
+            </a:pPr>
+            <a:r>
+              <a:rPr lang="en-US" sz="1800" dirty="0">
+                <a:solidFill>
+                  <a:srgbClr val="D4D4D4"/>
+                </a:solidFill>
                 <a:latin typeface="Consolas" panose="020B0609020204030204" pitchFamily="49" charset="0"/>
               </a:rPr>
-              <a:t>true</a:t>
-            </a:r>
-            <a:r>
-              <a:rPr lang="en-US" sz="1800" b="0" dirty="0">
-                <a:solidFill>
-                  <a:srgbClr val="D4D4D4"/>
-                </a:solidFill>
-                <a:effectLst/>
-                <a:latin typeface="Consolas" panose="020B0609020204030204" pitchFamily="49" charset="0"/>
-              </a:rPr>
-              <a:t>;</a:t>
-            </a:r>
+              <a:t>    status = true;</a:t>
+            </a:r>
+            <a:endParaRPr lang="en-US" sz="1800" b="0" dirty="0">
+              <a:solidFill>
+                <a:srgbClr val="D4D4D4"/>
+              </a:solidFill>
+              <a:effectLst/>
+              <a:latin typeface="Consolas" panose="020B0609020204030204" pitchFamily="49" charset="0"/>
+            </a:endParaRPr>
           </a:p>
           <a:p>
             <a:pPr marL="0" indent="0">
@@ -15307,8 +15311,28 @@
               <a:buNone/>
             </a:pPr>
             <a:r>
+              <a:rPr lang="en-US" sz="2600" dirty="0">
+                <a:solidFill>
+                  <a:schemeClr val="accent1"/>
+                </a:solidFill>
+              </a:rPr>
+              <a:t>bool</a:t>
+            </a:r>
+            <a:r>
               <a:rPr lang="en-US" sz="2600" dirty="0"/>
-              <a:t>bool casted = 1;</a:t>
+              <a:t> casted = </a:t>
+            </a:r>
+            <a:r>
+              <a:rPr lang="en-US" sz="2600" dirty="0">
+                <a:solidFill>
+                  <a:schemeClr val="accent2"/>
+                </a:solidFill>
+              </a:rPr>
+              <a:t>1</a:t>
+            </a:r>
+            <a:r>
+              <a:rPr lang="en-US" sz="2600" dirty="0"/>
+              <a:t>;</a:t>
             </a:r>
           </a:p>
           <a:p>
